--- a/教案/Visual Studio & C#.pptx
+++ b/教案/Visual Studio & C#.pptx
@@ -143,10 +143,10 @@
 <file path=ppt/changesInfos/changesInfo1.xml><?xml version="1.0" encoding="utf-8"?>
 <pc:chgInfo xmlns:a="http://schemas.openxmlformats.org/drawingml/2006/main" xmlns:r="http://schemas.openxmlformats.org/officeDocument/2006/relationships" xmlns:ac="http://schemas.microsoft.com/office/drawing/2013/main/command" xmlns:pc="http://schemas.microsoft.com/office/powerpoint/2013/main/command">
   <pc:docChgLst>
-    <pc:chgData name="Siwei PENG" userId="8c9d49ea30389574" providerId="LiveId" clId="{E11D7881-FAF7-41CD-825D-69CEEACBF75A}"/>
+    <pc:chgData name="Siwei PENG" userId="8c9d49ea30389574" providerId="LiveId" clId="{DD2CBBDE-9E90-4DC7-A96D-B119C3188BB4}"/>
   </pc:docChgLst>
   <pc:docChgLst>
-    <pc:chgData name="Siwei PENG" userId="8c9d49ea30389574" providerId="LiveId" clId="{DD2CBBDE-9E90-4DC7-A96D-B119C3188BB4}"/>
+    <pc:chgData name="Siwei PENG" userId="8c9d49ea30389574" providerId="LiveId" clId="{E11D7881-FAF7-41CD-825D-69CEEACBF75A}"/>
   </pc:docChgLst>
   <pc:docChgLst>
     <pc:chgData name="Siwei PENG" userId="8c9d49ea30389574" providerId="LiveId" clId="{D24443D4-6398-4070-86EB-C87823C97A41}"/>
@@ -646,7 +646,7 @@
             <a:fld id="{B61BEF0D-F0BB-DE4B-95CE-6DB70DBA9567}" type="datetimeFigureOut">
               <a:rPr lang="en-US" smtClean="0"/>
               <a:pPr/>
-              <a:t>12/5/2018</a:t>
+              <a:t>11/19/2019</a:t>
             </a:fld>
             <a:endParaRPr lang="en-US" dirty="0"/>
           </a:p>
@@ -980,7 +980,7 @@
             <a:fld id="{B61BEF0D-F0BB-DE4B-95CE-6DB70DBA9567}" type="datetimeFigureOut">
               <a:rPr lang="en-US" smtClean="0"/>
               <a:pPr/>
-              <a:t>12/5/2018</a:t>
+              <a:t>11/19/2019</a:t>
             </a:fld>
             <a:endParaRPr lang="en-US" dirty="0"/>
           </a:p>
@@ -1381,7 +1381,7 @@
             <a:fld id="{B61BEF0D-F0BB-DE4B-95CE-6DB70DBA9567}" type="datetimeFigureOut">
               <a:rPr lang="en-US" smtClean="0"/>
               <a:pPr/>
-              <a:t>12/5/2018</a:t>
+              <a:t>11/19/2019</a:t>
             </a:fld>
             <a:endParaRPr lang="en-US" dirty="0"/>
           </a:p>
@@ -1717,7 +1717,7 @@
             <a:fld id="{B61BEF0D-F0BB-DE4B-95CE-6DB70DBA9567}" type="datetimeFigureOut">
               <a:rPr lang="en-US" smtClean="0"/>
               <a:pPr/>
-              <a:t>12/5/2018</a:t>
+              <a:t>11/19/2019</a:t>
             </a:fld>
             <a:endParaRPr lang="en-US" dirty="0"/>
           </a:p>
@@ -2037,7 +2037,7 @@
             <a:fld id="{B61BEF0D-F0BB-DE4B-95CE-6DB70DBA9567}" type="datetimeFigureOut">
               <a:rPr lang="en-US" smtClean="0"/>
               <a:pPr/>
-              <a:t>12/5/2018</a:t>
+              <a:t>11/19/2019</a:t>
             </a:fld>
             <a:endParaRPr lang="en-US" dirty="0"/>
           </a:p>
@@ -2433,7 +2433,7 @@
             <a:fld id="{B61BEF0D-F0BB-DE4B-95CE-6DB70DBA9567}" type="datetimeFigureOut">
               <a:rPr lang="en-US" smtClean="0"/>
               <a:pPr/>
-              <a:t>12/5/2018</a:t>
+              <a:t>11/19/2019</a:t>
             </a:fld>
             <a:endParaRPr lang="en-US" dirty="0"/>
           </a:p>
@@ -2690,7 +2690,7 @@
             <a:fld id="{B61BEF0D-F0BB-DE4B-95CE-6DB70DBA9567}" type="datetimeFigureOut">
               <a:rPr lang="en-US" smtClean="0"/>
               <a:pPr/>
-              <a:t>12/5/2018</a:t>
+              <a:t>11/19/2019</a:t>
             </a:fld>
             <a:endParaRPr lang="en-US" dirty="0"/>
           </a:p>
@@ -2952,7 +2952,7 @@
             <a:fld id="{B61BEF0D-F0BB-DE4B-95CE-6DB70DBA9567}" type="datetimeFigureOut">
               <a:rPr lang="en-US" smtClean="0"/>
               <a:pPr/>
-              <a:t>12/5/2018</a:t>
+              <a:t>11/19/2019</a:t>
             </a:fld>
             <a:endParaRPr lang="en-US" dirty="0"/>
           </a:p>
@@ -3214,7 +3214,7 @@
             <a:fld id="{B61BEF0D-F0BB-DE4B-95CE-6DB70DBA9567}" type="datetimeFigureOut">
               <a:rPr lang="en-US" smtClean="0"/>
               <a:pPr/>
-              <a:t>12/5/2018</a:t>
+              <a:t>11/19/2019</a:t>
             </a:fld>
             <a:endParaRPr lang="en-US" dirty="0"/>
           </a:p>
@@ -3543,7 +3543,7 @@
             <a:fld id="{B61BEF0D-F0BB-DE4B-95CE-6DB70DBA9567}" type="datetimeFigureOut">
               <a:rPr lang="en-US" smtClean="0"/>
               <a:pPr/>
-              <a:t>12/5/2018</a:t>
+              <a:t>11/19/2019</a:t>
             </a:fld>
             <a:endParaRPr lang="en-US" dirty="0"/>
           </a:p>
@@ -3866,7 +3866,7 @@
             <a:fld id="{B61BEF0D-F0BB-DE4B-95CE-6DB70DBA9567}" type="datetimeFigureOut">
               <a:rPr lang="en-US" smtClean="0"/>
               <a:pPr/>
-              <a:t>12/5/2018</a:t>
+              <a:t>11/19/2019</a:t>
             </a:fld>
             <a:endParaRPr lang="en-US" dirty="0"/>
           </a:p>
@@ -4323,7 +4323,7 @@
             <a:fld id="{B61BEF0D-F0BB-DE4B-95CE-6DB70DBA9567}" type="datetimeFigureOut">
               <a:rPr lang="en-US" smtClean="0"/>
               <a:pPr/>
-              <a:t>12/5/2018</a:t>
+              <a:t>11/19/2019</a:t>
             </a:fld>
             <a:endParaRPr lang="en-US" dirty="0"/>
           </a:p>
@@ -4533,7 +4533,7 @@
             <a:fld id="{B61BEF0D-F0BB-DE4B-95CE-6DB70DBA9567}" type="datetimeFigureOut">
               <a:rPr lang="en-US" smtClean="0"/>
               <a:pPr/>
-              <a:t>12/5/2018</a:t>
+              <a:t>11/19/2019</a:t>
             </a:fld>
             <a:endParaRPr lang="en-US" dirty="0"/>
           </a:p>
@@ -4710,7 +4710,7 @@
             <a:fld id="{B61BEF0D-F0BB-DE4B-95CE-6DB70DBA9567}" type="datetimeFigureOut">
               <a:rPr lang="en-US" smtClean="0"/>
               <a:pPr/>
-              <a:t>12/5/2018</a:t>
+              <a:t>11/19/2019</a:t>
             </a:fld>
             <a:endParaRPr lang="en-US" dirty="0"/>
           </a:p>
@@ -5043,7 +5043,7 @@
             <a:fld id="{B61BEF0D-F0BB-DE4B-95CE-6DB70DBA9567}" type="datetimeFigureOut">
               <a:rPr lang="en-US" smtClean="0"/>
               <a:pPr/>
-              <a:t>12/5/2018</a:t>
+              <a:t>11/19/2019</a:t>
             </a:fld>
             <a:endParaRPr lang="en-US" dirty="0"/>
           </a:p>
@@ -5388,7 +5388,7 @@
             <a:fld id="{B61BEF0D-F0BB-DE4B-95CE-6DB70DBA9567}" type="datetimeFigureOut">
               <a:rPr lang="en-US" smtClean="0"/>
               <a:pPr/>
-              <a:t>12/5/2018</a:t>
+              <a:t>11/19/2019</a:t>
             </a:fld>
             <a:endParaRPr lang="en-US" dirty="0"/>
           </a:p>
@@ -7505,7 +7505,7 @@
             <a:fld id="{B61BEF0D-F0BB-DE4B-95CE-6DB70DBA9567}" type="datetimeFigureOut">
               <a:rPr lang="en-US" smtClean="0"/>
               <a:pPr/>
-              <a:t>12/5/2018</a:t>
+              <a:t>11/19/2019</a:t>
             </a:fld>
             <a:endParaRPr lang="en-US" dirty="0"/>
           </a:p>
@@ -21235,10 +21235,10 @@
       </p:sp>
       <p:pic>
         <p:nvPicPr>
-          <p:cNvPr id="6" name="图片 5">
+          <p:cNvPr id="3" name="图片 2">
             <a:extLst>
               <a:ext uri="{FF2B5EF4-FFF2-40B4-BE49-F238E27FC236}">
-                <a16:creationId xmlns:a16="http://schemas.microsoft.com/office/drawing/2014/main" id="{CF72960D-284F-494B-8DDE-5B043520AAE0}"/>
+                <a16:creationId xmlns:a16="http://schemas.microsoft.com/office/drawing/2014/main" id="{BDCAB2CE-4C52-4AFC-B9DC-3E074115A826}"/>
               </a:ext>
             </a:extLst>
           </p:cNvPr>
@@ -21255,8 +21255,8 @@
         </p:blipFill>
         <p:spPr>
           <a:xfrm>
-            <a:off x="822960" y="2037986"/>
-            <a:ext cx="8046720" cy="4434078"/>
+            <a:off x="808892" y="2018861"/>
+            <a:ext cx="8001717" cy="4499169"/>
           </a:xfrm>
           <a:prstGeom prst="rect">
             <a:avLst/>
@@ -21333,13 +21333,17 @@
       </p:sp>
       <p:pic>
         <p:nvPicPr>
-          <p:cNvPr id="5" name="内容占位符 4"/>
+          <p:cNvPr id="6" name="图片 5">
+            <a:extLst>
+              <a:ext uri="{FF2B5EF4-FFF2-40B4-BE49-F238E27FC236}">
+                <a16:creationId xmlns:a16="http://schemas.microsoft.com/office/drawing/2014/main" id="{1FEBD79B-E9B1-4892-91BF-12D8C9187F97}"/>
+              </a:ext>
+            </a:extLst>
+          </p:cNvPr>
           <p:cNvPicPr>
-            <a:picLocks noGrp="1" noChangeAspect="1"/>
+            <a:picLocks noChangeAspect="1"/>
           </p:cNvPicPr>
-          <p:nvPr>
-            <p:ph idx="1"/>
-          </p:nvPr>
+          <p:nvPr/>
         </p:nvPicPr>
         <p:blipFill>
           <a:blip r:embed="rId2"/>
@@ -21349,12 +21353,19 @@
         </p:blipFill>
         <p:spPr>
           <a:xfrm>
-            <a:off x="2516443" y="2133600"/>
-            <a:ext cx="5444614" cy="3778250"/>
+            <a:off x="2332892" y="2048126"/>
+            <a:ext cx="5257800" cy="3621232"/>
           </a:xfrm>
           <a:prstGeom prst="rect">
             <a:avLst/>
           </a:prstGeom>
+          <a:effectLst>
+            <a:outerShdw blurRad="63500" sx="102000" sy="102000" algn="ctr" rotWithShape="0">
+              <a:prstClr val="black">
+                <a:alpha val="40000"/>
+              </a:prstClr>
+            </a:outerShdw>
+          </a:effectLst>
         </p:spPr>
       </p:pic>
     </p:spTree>

--- a/教案/Visual Studio & C#.pptx
+++ b/教案/Visual Studio & C#.pptx
@@ -142,12 +142,6 @@
 
 <file path=ppt/changesInfos/changesInfo1.xml><?xml version="1.0" encoding="utf-8"?>
 <pc:chgInfo xmlns:a="http://schemas.openxmlformats.org/drawingml/2006/main" xmlns:r="http://schemas.openxmlformats.org/officeDocument/2006/relationships" xmlns:ac="http://schemas.microsoft.com/office/drawing/2013/main/command" xmlns:pc="http://schemas.microsoft.com/office/powerpoint/2013/main/command">
-  <pc:docChgLst>
-    <pc:chgData name="Siwei PENG" userId="8c9d49ea30389574" providerId="LiveId" clId="{DD2CBBDE-9E90-4DC7-A96D-B119C3188BB4}"/>
-  </pc:docChgLst>
-  <pc:docChgLst>
-    <pc:chgData name="Siwei PENG" userId="8c9d49ea30389574" providerId="LiveId" clId="{E11D7881-FAF7-41CD-825D-69CEEACBF75A}"/>
-  </pc:docChgLst>
   <pc:docChgLst>
     <pc:chgData name="Siwei PENG" userId="8c9d49ea30389574" providerId="LiveId" clId="{D24443D4-6398-4070-86EB-C87823C97A41}"/>
     <pc:docChg chg="undo custSel addSld modSld sldOrd">
@@ -646,7 +640,7 @@
             <a:fld id="{B61BEF0D-F0BB-DE4B-95CE-6DB70DBA9567}" type="datetimeFigureOut">
               <a:rPr lang="en-US" smtClean="0"/>
               <a:pPr/>
-              <a:t>11/19/2019</a:t>
+              <a:t>9/16/2023</a:t>
             </a:fld>
             <a:endParaRPr lang="en-US" dirty="0"/>
           </a:p>
@@ -980,7 +974,7 @@
             <a:fld id="{B61BEF0D-F0BB-DE4B-95CE-6DB70DBA9567}" type="datetimeFigureOut">
               <a:rPr lang="en-US" smtClean="0"/>
               <a:pPr/>
-              <a:t>11/19/2019</a:t>
+              <a:t>9/16/2023</a:t>
             </a:fld>
             <a:endParaRPr lang="en-US" dirty="0"/>
           </a:p>
@@ -1381,7 +1375,7 @@
             <a:fld id="{B61BEF0D-F0BB-DE4B-95CE-6DB70DBA9567}" type="datetimeFigureOut">
               <a:rPr lang="en-US" smtClean="0"/>
               <a:pPr/>
-              <a:t>11/19/2019</a:t>
+              <a:t>9/16/2023</a:t>
             </a:fld>
             <a:endParaRPr lang="en-US" dirty="0"/>
           </a:p>
@@ -1717,7 +1711,7 @@
             <a:fld id="{B61BEF0D-F0BB-DE4B-95CE-6DB70DBA9567}" type="datetimeFigureOut">
               <a:rPr lang="en-US" smtClean="0"/>
               <a:pPr/>
-              <a:t>11/19/2019</a:t>
+              <a:t>9/16/2023</a:t>
             </a:fld>
             <a:endParaRPr lang="en-US" dirty="0"/>
           </a:p>
@@ -2037,7 +2031,7 @@
             <a:fld id="{B61BEF0D-F0BB-DE4B-95CE-6DB70DBA9567}" type="datetimeFigureOut">
               <a:rPr lang="en-US" smtClean="0"/>
               <a:pPr/>
-              <a:t>11/19/2019</a:t>
+              <a:t>9/16/2023</a:t>
             </a:fld>
             <a:endParaRPr lang="en-US" dirty="0"/>
           </a:p>
@@ -2433,7 +2427,7 @@
             <a:fld id="{B61BEF0D-F0BB-DE4B-95CE-6DB70DBA9567}" type="datetimeFigureOut">
               <a:rPr lang="en-US" smtClean="0"/>
               <a:pPr/>
-              <a:t>11/19/2019</a:t>
+              <a:t>9/16/2023</a:t>
             </a:fld>
             <a:endParaRPr lang="en-US" dirty="0"/>
           </a:p>
@@ -2690,7 +2684,7 @@
             <a:fld id="{B61BEF0D-F0BB-DE4B-95CE-6DB70DBA9567}" type="datetimeFigureOut">
               <a:rPr lang="en-US" smtClean="0"/>
               <a:pPr/>
-              <a:t>11/19/2019</a:t>
+              <a:t>9/16/2023</a:t>
             </a:fld>
             <a:endParaRPr lang="en-US" dirty="0"/>
           </a:p>
@@ -2952,7 +2946,7 @@
             <a:fld id="{B61BEF0D-F0BB-DE4B-95CE-6DB70DBA9567}" type="datetimeFigureOut">
               <a:rPr lang="en-US" smtClean="0"/>
               <a:pPr/>
-              <a:t>11/19/2019</a:t>
+              <a:t>9/16/2023</a:t>
             </a:fld>
             <a:endParaRPr lang="en-US" dirty="0"/>
           </a:p>
@@ -3214,7 +3208,7 @@
             <a:fld id="{B61BEF0D-F0BB-DE4B-95CE-6DB70DBA9567}" type="datetimeFigureOut">
               <a:rPr lang="en-US" smtClean="0"/>
               <a:pPr/>
-              <a:t>11/19/2019</a:t>
+              <a:t>9/16/2023</a:t>
             </a:fld>
             <a:endParaRPr lang="en-US" dirty="0"/>
           </a:p>
@@ -3543,7 +3537,7 @@
             <a:fld id="{B61BEF0D-F0BB-DE4B-95CE-6DB70DBA9567}" type="datetimeFigureOut">
               <a:rPr lang="en-US" smtClean="0"/>
               <a:pPr/>
-              <a:t>11/19/2019</a:t>
+              <a:t>9/16/2023</a:t>
             </a:fld>
             <a:endParaRPr lang="en-US" dirty="0"/>
           </a:p>
@@ -3866,7 +3860,7 @@
             <a:fld id="{B61BEF0D-F0BB-DE4B-95CE-6DB70DBA9567}" type="datetimeFigureOut">
               <a:rPr lang="en-US" smtClean="0"/>
               <a:pPr/>
-              <a:t>11/19/2019</a:t>
+              <a:t>9/16/2023</a:t>
             </a:fld>
             <a:endParaRPr lang="en-US" dirty="0"/>
           </a:p>
@@ -4323,7 +4317,7 @@
             <a:fld id="{B61BEF0D-F0BB-DE4B-95CE-6DB70DBA9567}" type="datetimeFigureOut">
               <a:rPr lang="en-US" smtClean="0"/>
               <a:pPr/>
-              <a:t>11/19/2019</a:t>
+              <a:t>9/16/2023</a:t>
             </a:fld>
             <a:endParaRPr lang="en-US" dirty="0"/>
           </a:p>
@@ -4533,7 +4527,7 @@
             <a:fld id="{B61BEF0D-F0BB-DE4B-95CE-6DB70DBA9567}" type="datetimeFigureOut">
               <a:rPr lang="en-US" smtClean="0"/>
               <a:pPr/>
-              <a:t>11/19/2019</a:t>
+              <a:t>9/16/2023</a:t>
             </a:fld>
             <a:endParaRPr lang="en-US" dirty="0"/>
           </a:p>
@@ -4710,7 +4704,7 @@
             <a:fld id="{B61BEF0D-F0BB-DE4B-95CE-6DB70DBA9567}" type="datetimeFigureOut">
               <a:rPr lang="en-US" smtClean="0"/>
               <a:pPr/>
-              <a:t>11/19/2019</a:t>
+              <a:t>9/16/2023</a:t>
             </a:fld>
             <a:endParaRPr lang="en-US" dirty="0"/>
           </a:p>
@@ -5043,7 +5037,7 @@
             <a:fld id="{B61BEF0D-F0BB-DE4B-95CE-6DB70DBA9567}" type="datetimeFigureOut">
               <a:rPr lang="en-US" smtClean="0"/>
               <a:pPr/>
-              <a:t>11/19/2019</a:t>
+              <a:t>9/16/2023</a:t>
             </a:fld>
             <a:endParaRPr lang="en-US" dirty="0"/>
           </a:p>
@@ -5388,7 +5382,7 @@
             <a:fld id="{B61BEF0D-F0BB-DE4B-95CE-6DB70DBA9567}" type="datetimeFigureOut">
               <a:rPr lang="en-US" smtClean="0"/>
               <a:pPr/>
-              <a:t>11/19/2019</a:t>
+              <a:t>9/16/2023</a:t>
             </a:fld>
             <a:endParaRPr lang="en-US" dirty="0"/>
           </a:p>
@@ -7505,7 +7499,7 @@
             <a:fld id="{B61BEF0D-F0BB-DE4B-95CE-6DB70DBA9567}" type="datetimeFigureOut">
               <a:rPr lang="en-US" smtClean="0"/>
               <a:pPr/>
-              <a:t>11/19/2019</a:t>
+              <a:t>9/16/2023</a:t>
             </a:fld>
             <a:endParaRPr lang="en-US" dirty="0"/>
           </a:p>
@@ -18485,12 +18479,8 @@
               <a:t>.Net</a:t>
             </a:r>
             <a:r>
-              <a:rPr lang="en-US" altLang="zh-CN" dirty="0"/>
-              <a:t> Framework</a:t>
-            </a:r>
-            <a:r>
               <a:rPr lang="zh-CN" altLang="en-US" dirty="0"/>
-              <a:t>类库</a:t>
+              <a:t>库</a:t>
             </a:r>
           </a:p>
         </p:txBody>
